--- a/Java심화02_환율문제_kopo01_강세영_210414.pptx
+++ b/Java심화02_환율문제_kopo01_강세영_210414.pptx
@@ -3537,7 +3537,7 @@
           <p:cNvPr id="5" name="TextBox 4">
             <a:extLst>
               <a:ext uri="{FF2B5EF4-FFF2-40B4-BE49-F238E27FC236}">
-                <a16:creationId xmlns="" xmlns:a16="http://schemas.microsoft.com/office/drawing/2014/main" id="{455436F5-1453-4A4A-A5FF-A9E6F35541B0}"/>
+                <a16:creationId xmlns:a16="http://schemas.microsoft.com/office/drawing/2014/main" xmlns="" id="{455436F5-1453-4A4A-A5FF-A9E6F35541B0}"/>
               </a:ext>
             </a:extLst>
           </p:cNvPr>
@@ -3564,6 +3564,170 @@
               <a:rPr lang="ko-KR" altLang="en-US" sz="1600" b="1" dirty="0"/>
               <a:t>파일 입출력</a:t>
             </a:r>
+          </a:p>
+        </p:txBody>
+      </p:sp>
+      <p:sp>
+        <p:nvSpPr>
+          <p:cNvPr id="6" name="TextBox 5">
+            <a:extLst>
+              <a:ext uri="{FF2B5EF4-FFF2-40B4-BE49-F238E27FC236}">
+                <a16:creationId xmlns:a16="http://schemas.microsoft.com/office/drawing/2014/main" xmlns="" id="{F6648F3B-B1C1-42AB-97CD-DC0F245E2350}"/>
+              </a:ext>
+            </a:extLst>
+          </p:cNvPr>
+          <p:cNvSpPr txBox="1"/>
+          <p:nvPr/>
+        </p:nvSpPr>
+        <p:spPr>
+          <a:xfrm>
+            <a:off x="6459114" y="5031881"/>
+            <a:ext cx="4993105" cy="1569660"/>
+          </a:xfrm>
+          <a:prstGeom prst="rect">
+            <a:avLst/>
+          </a:prstGeom>
+          <a:noFill/>
+        </p:spPr>
+        <p:txBody>
+          <a:bodyPr wrap="square" rtlCol="0">
+            <a:spAutoFit/>
+          </a:bodyPr>
+          <a:lstStyle/>
+          <a:p>
+            <a:r>
+              <a:rPr lang="en-US" altLang="ko-KR" sz="1200" dirty="0" err="1"/>
+              <a:t>FileStringGetter</a:t>
+            </a:r>
+            <a:r>
+              <a:rPr lang="en-US" altLang="ko-KR" sz="1200" dirty="0"/>
+              <a:t> </a:t>
+            </a:r>
+            <a:r>
+              <a:rPr lang="en-US" altLang="ko-KR" sz="1200" dirty="0" smtClean="0"/>
+              <a:t>Class</a:t>
+            </a:r>
+          </a:p>
+          <a:p>
+            <a:pPr marL="171450" indent="-171450">
+              <a:buFont typeface="Wingdings" panose="05000000000000000000" pitchFamily="2" charset="2"/>
+              <a:buChar char="§"/>
+            </a:pPr>
+            <a:endParaRPr lang="en-US" altLang="ko-KR" sz="1200" dirty="0" smtClean="0"/>
+          </a:p>
+          <a:p>
+            <a:pPr marL="171450" indent="-171450">
+              <a:buFont typeface="Wingdings" panose="05000000000000000000" pitchFamily="2" charset="2"/>
+              <a:buChar char="§"/>
+            </a:pPr>
+            <a:r>
+              <a:rPr lang="en-US" altLang="ko-KR" sz="1200" dirty="0" err="1" smtClean="0"/>
+              <a:t>FileIOutputStream</a:t>
+            </a:r>
+            <a:r>
+              <a:rPr lang="en-US" altLang="ko-KR" sz="1200" dirty="0" smtClean="0"/>
+              <a:t>: </a:t>
+            </a:r>
+            <a:r>
+              <a:rPr lang="ko-KR" altLang="en-US" sz="1200" dirty="0"/>
+              <a:t>파일에서 </a:t>
+            </a:r>
+            <a:r>
+              <a:rPr lang="ko-KR" altLang="en-US" sz="1200" dirty="0" smtClean="0"/>
+              <a:t>바이트 </a:t>
+            </a:r>
+            <a:r>
+              <a:rPr lang="ko-KR" altLang="en-US" sz="1200" dirty="0"/>
+              <a:t>기반으로 한 출력을 </a:t>
+            </a:r>
+            <a:r>
+              <a:rPr lang="ko-KR" altLang="en-US" sz="1200" dirty="0" smtClean="0"/>
+              <a:t>처리</a:t>
+            </a:r>
+            <a:endParaRPr lang="en-US" altLang="ko-KR" sz="1200" dirty="0" smtClean="0"/>
+          </a:p>
+          <a:p>
+            <a:r>
+              <a:rPr lang="en-US" altLang="ko-KR" sz="1200" dirty="0" smtClean="0"/>
+              <a:t>   </a:t>
+            </a:r>
+            <a:r>
+              <a:rPr lang="ko-KR" altLang="en-US" sz="1200" dirty="0" smtClean="0"/>
+              <a:t>따로 파일을 입력하지 않기 때문에 </a:t>
+            </a:r>
+            <a:r>
+              <a:rPr lang="en-US" altLang="ko-KR" sz="1200" dirty="0" err="1"/>
+              <a:t>FileInputStream</a:t>
+            </a:r>
+            <a:r>
+              <a:rPr lang="en-US" altLang="ko-KR" sz="1200" dirty="0"/>
+              <a:t> </a:t>
+            </a:r>
+            <a:r>
+              <a:rPr lang="ko-KR" altLang="en-US" sz="1200" dirty="0" smtClean="0"/>
+              <a:t>사용 </a:t>
+            </a:r>
+            <a:r>
+              <a:rPr lang="ko-KR" altLang="en-US" sz="1200" dirty="0" err="1" smtClean="0"/>
+              <a:t>안함</a:t>
+            </a:r>
+            <a:endParaRPr lang="en-US" altLang="ko-KR" sz="1200" dirty="0" smtClean="0"/>
+          </a:p>
+          <a:p>
+            <a:endParaRPr lang="en-US" altLang="ko-KR" sz="1200" dirty="0" smtClean="0"/>
+          </a:p>
+          <a:p>
+            <a:pPr marL="171450" indent="-171450">
+              <a:buFont typeface="Wingdings" panose="05000000000000000000" pitchFamily="2" charset="2"/>
+              <a:buChar char="§"/>
+            </a:pPr>
+            <a:r>
+              <a:rPr lang="ko-KR" altLang="en-US" sz="1200" dirty="0"/>
+              <a:t>파일 출력할 클래스 </a:t>
+            </a:r>
+            <a:r>
+              <a:rPr lang="ko-KR" altLang="en-US" sz="1200" dirty="0" smtClean="0"/>
+              <a:t>생성</a:t>
+            </a:r>
+            <a:endParaRPr lang="en-US" altLang="ko-KR" sz="1200" dirty="0" smtClean="0"/>
+          </a:p>
+          <a:p>
+            <a:pPr marL="171450" indent="-171450">
+              <a:buFont typeface="Wingdings" panose="05000000000000000000" pitchFamily="2" charset="2"/>
+              <a:buChar char="§"/>
+            </a:pPr>
+            <a:endParaRPr lang="en-US" altLang="ko-KR" sz="1200" dirty="0"/>
+          </a:p>
+          <a:p>
+            <a:pPr marL="171450" indent="-171450">
+              <a:buFont typeface="Wingdings" panose="05000000000000000000" pitchFamily="2" charset="2"/>
+              <a:buChar char="§"/>
+            </a:pPr>
+            <a:r>
+              <a:rPr lang="en-US" altLang="ko-KR" sz="1200" dirty="0" smtClean="0"/>
+              <a:t>.</a:t>
+            </a:r>
+            <a:r>
+              <a:rPr lang="en-US" altLang="ko-KR" sz="1200" dirty="0"/>
+              <a:t>write </a:t>
+            </a:r>
+            <a:r>
+              <a:rPr lang="ko-KR" altLang="en-US" sz="1200" dirty="0"/>
+              <a:t>사용하여</a:t>
+            </a:r>
+            <a:r>
+              <a:rPr lang="en-US" altLang="ko-KR" sz="1200" dirty="0"/>
+              <a:t> </a:t>
+            </a:r>
+            <a:r>
+              <a:rPr lang="ko-KR" altLang="en-US" sz="1200" dirty="0"/>
+              <a:t>변수 </a:t>
+            </a:r>
+            <a:r>
+              <a:rPr lang="ko-KR" altLang="en-US" sz="1200" dirty="0" smtClean="0"/>
+              <a:t>출력</a:t>
+            </a:r>
+            <a:endParaRPr lang="en-US" altLang="ko-KR" sz="1200" dirty="0"/>
           </a:p>
         </p:txBody>
       </p:sp>
@@ -3602,7 +3766,7 @@
           <p:cNvPr id="5" name="TextBox 4">
             <a:extLst>
               <a:ext uri="{FF2B5EF4-FFF2-40B4-BE49-F238E27FC236}">
-                <a16:creationId xmlns="" xmlns:a16="http://schemas.microsoft.com/office/drawing/2014/main" id="{455436F5-1453-4A4A-A5FF-A9E6F35541B0}"/>
+                <a16:creationId xmlns:a16="http://schemas.microsoft.com/office/drawing/2014/main" xmlns="" id="{455436F5-1453-4A4A-A5FF-A9E6F35541B0}"/>
               </a:ext>
             </a:extLst>
           </p:cNvPr>
@@ -3697,7 +3861,7 @@
           <p:cNvPr id="5" name="TextBox 4">
             <a:extLst>
               <a:ext uri="{FF2B5EF4-FFF2-40B4-BE49-F238E27FC236}">
-                <a16:creationId xmlns="" xmlns:a16="http://schemas.microsoft.com/office/drawing/2014/main" id="{455436F5-1453-4A4A-A5FF-A9E6F35541B0}"/>
+                <a16:creationId xmlns:a16="http://schemas.microsoft.com/office/drawing/2014/main" xmlns="" id="{455436F5-1453-4A4A-A5FF-A9E6F35541B0}"/>
               </a:ext>
             </a:extLst>
           </p:cNvPr>
@@ -3762,7 +3926,7 @@
           <p:cNvPr id="6" name="그림 5">
             <a:extLst>
               <a:ext uri="{FF2B5EF4-FFF2-40B4-BE49-F238E27FC236}">
-                <a16:creationId xmlns="" xmlns:a16="http://schemas.microsoft.com/office/drawing/2014/main" id="{0C87BFC7-3FD3-41B2-98CF-20CB0F91FB60}"/>
+                <a16:creationId xmlns:a16="http://schemas.microsoft.com/office/drawing/2014/main" xmlns="" id="{0C87BFC7-3FD3-41B2-98CF-20CB0F91FB60}"/>
               </a:ext>
             </a:extLst>
           </p:cNvPr>
@@ -5888,7 +6052,7 @@
           <p:cNvPr id="2" name="TextBox 1">
             <a:extLst>
               <a:ext uri="{FF2B5EF4-FFF2-40B4-BE49-F238E27FC236}">
-                <a16:creationId xmlns="" xmlns:a16="http://schemas.microsoft.com/office/drawing/2014/main" id="{C965C996-8435-452A-B19B-2512B7AAE16E}"/>
+                <a16:creationId xmlns:a16="http://schemas.microsoft.com/office/drawing/2014/main" xmlns="" id="{C965C996-8435-452A-B19B-2512B7AAE16E}"/>
               </a:ext>
             </a:extLst>
           </p:cNvPr>
@@ -5918,30 +6082,118 @@
           </a:p>
         </p:txBody>
       </p:sp>
-      <p:pic>
-        <p:nvPicPr>
-          <p:cNvPr id="4" name="그림 3">
+      <p:sp>
+        <p:nvSpPr>
+          <p:cNvPr id="5" name="TextBox 4">
             <a:extLst>
               <a:ext uri="{FF2B5EF4-FFF2-40B4-BE49-F238E27FC236}">
-                <a16:creationId xmlns="" xmlns:a16="http://schemas.microsoft.com/office/drawing/2014/main" id="{F1E65EBC-73E2-4570-8892-93A2753898AA}"/>
+                <a16:creationId xmlns:a16="http://schemas.microsoft.com/office/drawing/2014/main" xmlns="" id="{DF861678-AE20-4BF2-9ECF-62169C32B37F}"/>
               </a:ext>
             </a:extLst>
           </p:cNvPr>
+          <p:cNvSpPr txBox="1"/>
+          <p:nvPr/>
+        </p:nvSpPr>
+        <p:spPr>
+          <a:xfrm>
+            <a:off x="338307" y="5405155"/>
+            <a:ext cx="4547936" cy="1015663"/>
+          </a:xfrm>
+          <a:prstGeom prst="rect">
+            <a:avLst/>
+          </a:prstGeom>
+          <a:noFill/>
+        </p:spPr>
+        <p:txBody>
+          <a:bodyPr wrap="square" rtlCol="0">
+            <a:spAutoFit/>
+          </a:bodyPr>
+          <a:lstStyle/>
+          <a:p>
+            <a:r>
+              <a:rPr lang="en-US" altLang="ko-KR" sz="1200" dirty="0" err="1"/>
+              <a:t>FileStringGetter</a:t>
+            </a:r>
+            <a:r>
+              <a:rPr lang="en-US" altLang="ko-KR" sz="1200" dirty="0"/>
+              <a:t> Class</a:t>
+            </a:r>
+          </a:p>
+          <a:p>
+            <a:endParaRPr lang="en-US" altLang="ko-KR" sz="1200" dirty="0"/>
+          </a:p>
+          <a:p>
+            <a:pPr marL="171450" indent="-171450">
+              <a:buFont typeface="Wingdings" panose="05000000000000000000" pitchFamily="2" charset="2"/>
+              <a:buChar char="§"/>
+            </a:pPr>
+            <a:r>
+              <a:rPr lang="ko-KR" altLang="en-US" sz="1200" dirty="0"/>
+              <a:t>파일 출력할 클래스 생성</a:t>
+            </a:r>
+            <a:endParaRPr lang="en-US" altLang="ko-KR" sz="1200" dirty="0"/>
+          </a:p>
+          <a:p>
+            <a:pPr marL="171450" indent="-171450">
+              <a:buFont typeface="Wingdings" panose="05000000000000000000" pitchFamily="2" charset="2"/>
+              <a:buChar char="§"/>
+            </a:pPr>
+            <a:r>
+              <a:rPr lang="ko-KR" altLang="en-US" sz="1200" dirty="0"/>
+              <a:t>데이터를 따로 입력하지 않기 때문에 </a:t>
+            </a:r>
+            <a:r>
+              <a:rPr lang="en-US" altLang="ko-KR" sz="1200" dirty="0" err="1"/>
+              <a:t>OutputStream</a:t>
+            </a:r>
+            <a:r>
+              <a:rPr lang="ko-KR" altLang="en-US" sz="1200" dirty="0"/>
+              <a:t>만 사용</a:t>
+            </a:r>
+            <a:endParaRPr lang="en-US" altLang="ko-KR" sz="1200" dirty="0"/>
+          </a:p>
+          <a:p>
+            <a:pPr marL="171450" indent="-171450">
+              <a:buFont typeface="Wingdings" panose="05000000000000000000" pitchFamily="2" charset="2"/>
+              <a:buChar char="§"/>
+            </a:pPr>
+            <a:r>
+              <a:rPr lang="en-US" altLang="ko-KR" sz="1200" dirty="0"/>
+              <a:t>.write </a:t>
+            </a:r>
+            <a:r>
+              <a:rPr lang="ko-KR" altLang="en-US" sz="1200" dirty="0"/>
+              <a:t>사용하여</a:t>
+            </a:r>
+            <a:r>
+              <a:rPr lang="en-US" altLang="ko-KR" sz="1200" dirty="0"/>
+              <a:t> </a:t>
+            </a:r>
+            <a:r>
+              <a:rPr lang="ko-KR" altLang="en-US" sz="1200" dirty="0"/>
+              <a:t>변수 출력</a:t>
+            </a:r>
+            <a:endParaRPr lang="en-US" altLang="ko-KR" sz="1200" dirty="0"/>
+          </a:p>
+        </p:txBody>
+      </p:sp>
+      <p:pic>
+        <p:nvPicPr>
+          <p:cNvPr id="6" name="그림 5"/>
           <p:cNvPicPr>
             <a:picLocks noChangeAspect="1"/>
           </p:cNvPicPr>
           <p:nvPr/>
         </p:nvPicPr>
-        <p:blipFill>
+        <p:blipFill rotWithShape="1">
           <a:blip r:embed="rId2"/>
-          <a:stretch>
-            <a:fillRect/>
-          </a:stretch>
+          <a:srcRect l="23803" t="6179" r="6448" b="39946"/>
+          <a:stretch/>
         </p:blipFill>
         <p:spPr>
           <a:xfrm>
-            <a:off x="340979" y="1166479"/>
-            <a:ext cx="7802549" cy="4350000"/>
+            <a:off x="342397" y="1167897"/>
+            <a:ext cx="8632653" cy="4028571"/>
           </a:xfrm>
           <a:prstGeom prst="rect">
             <a:avLst/>
@@ -5955,101 +6207,6 @@
           </a:ln>
         </p:spPr>
       </p:pic>
-      <p:sp>
-        <p:nvSpPr>
-          <p:cNvPr id="5" name="TextBox 4">
-            <a:extLst>
-              <a:ext uri="{FF2B5EF4-FFF2-40B4-BE49-F238E27FC236}">
-                <a16:creationId xmlns="" xmlns:a16="http://schemas.microsoft.com/office/drawing/2014/main" id="{DF861678-AE20-4BF2-9ECF-62169C32B37F}"/>
-              </a:ext>
-            </a:extLst>
-          </p:cNvPr>
-          <p:cNvSpPr txBox="1"/>
-          <p:nvPr/>
-        </p:nvSpPr>
-        <p:spPr>
-          <a:xfrm>
-            <a:off x="7646071" y="5613313"/>
-            <a:ext cx="4547936" cy="1015663"/>
-          </a:xfrm>
-          <a:prstGeom prst="rect">
-            <a:avLst/>
-          </a:prstGeom>
-          <a:noFill/>
-        </p:spPr>
-        <p:txBody>
-          <a:bodyPr wrap="square" rtlCol="0">
-            <a:spAutoFit/>
-          </a:bodyPr>
-          <a:lstStyle/>
-          <a:p>
-            <a:r>
-              <a:rPr lang="en-US" altLang="ko-KR" sz="1200" dirty="0" err="1"/>
-              <a:t>FileStringGetter</a:t>
-            </a:r>
-            <a:r>
-              <a:rPr lang="en-US" altLang="ko-KR" sz="1200" dirty="0"/>
-              <a:t> Class</a:t>
-            </a:r>
-          </a:p>
-          <a:p>
-            <a:endParaRPr lang="en-US" altLang="ko-KR" sz="1200" dirty="0"/>
-          </a:p>
-          <a:p>
-            <a:pPr marL="171450" indent="-171450">
-              <a:buFont typeface="Wingdings" panose="05000000000000000000" pitchFamily="2" charset="2"/>
-              <a:buChar char="§"/>
-            </a:pPr>
-            <a:r>
-              <a:rPr lang="ko-KR" altLang="en-US" sz="1200" dirty="0"/>
-              <a:t>파일 출력할 클래스 생성</a:t>
-            </a:r>
-            <a:endParaRPr lang="en-US" altLang="ko-KR" sz="1200" dirty="0"/>
-          </a:p>
-          <a:p>
-            <a:pPr marL="171450" indent="-171450">
-              <a:buFont typeface="Wingdings" panose="05000000000000000000" pitchFamily="2" charset="2"/>
-              <a:buChar char="§"/>
-            </a:pPr>
-            <a:r>
-              <a:rPr lang="ko-KR" altLang="en-US" sz="1200" dirty="0"/>
-              <a:t>데이터를 따로 입력하지 않기 때문에 </a:t>
-            </a:r>
-            <a:r>
-              <a:rPr lang="en-US" altLang="ko-KR" sz="1200" dirty="0" err="1"/>
-              <a:t>OutputStream</a:t>
-            </a:r>
-            <a:r>
-              <a:rPr lang="ko-KR" altLang="en-US" sz="1200" dirty="0"/>
-              <a:t>만 사용</a:t>
-            </a:r>
-            <a:endParaRPr lang="en-US" altLang="ko-KR" sz="1200" dirty="0"/>
-          </a:p>
-          <a:p>
-            <a:pPr marL="171450" indent="-171450">
-              <a:buFont typeface="Wingdings" panose="05000000000000000000" pitchFamily="2" charset="2"/>
-              <a:buChar char="§"/>
-            </a:pPr>
-            <a:r>
-              <a:rPr lang="en-US" altLang="ko-KR" sz="1200" dirty="0"/>
-              <a:t>.write </a:t>
-            </a:r>
-            <a:r>
-              <a:rPr lang="ko-KR" altLang="en-US" sz="1200" dirty="0"/>
-              <a:t>사용하여</a:t>
-            </a:r>
-            <a:r>
-              <a:rPr lang="en-US" altLang="ko-KR" sz="1200" dirty="0"/>
-              <a:t> </a:t>
-            </a:r>
-            <a:r>
-              <a:rPr lang="ko-KR" altLang="en-US" sz="1200" dirty="0"/>
-              <a:t>변수 출력</a:t>
-            </a:r>
-            <a:endParaRPr lang="en-US" altLang="ko-KR" sz="1200" dirty="0"/>
-          </a:p>
-        </p:txBody>
-      </p:sp>
     </p:spTree>
     <p:extLst>
       <p:ext uri="{BB962C8B-B14F-4D97-AF65-F5344CB8AC3E}">
@@ -6080,15 +6237,239 @@
           <a:chExt cx="0" cy="0"/>
         </a:xfrm>
       </p:grpSpPr>
-      <p:pic>
-        <p:nvPicPr>
-          <p:cNvPr id="3" name="그림 2">
+      <p:sp>
+        <p:nvSpPr>
+          <p:cNvPr id="4" name="TextBox 3">
             <a:extLst>
               <a:ext uri="{FF2B5EF4-FFF2-40B4-BE49-F238E27FC236}">
-                <a16:creationId xmlns="" xmlns:a16="http://schemas.microsoft.com/office/drawing/2014/main" id="{9DCE7005-6114-4F22-97F0-18D37F9E0BA5}"/>
+                <a16:creationId xmlns:a16="http://schemas.microsoft.com/office/drawing/2014/main" xmlns="" id="{455436F5-1453-4A4A-A5FF-A9E6F35541B0}"/>
               </a:ext>
             </a:extLst>
           </p:cNvPr>
+          <p:cNvSpPr txBox="1"/>
+          <p:nvPr/>
+        </p:nvSpPr>
+        <p:spPr>
+          <a:xfrm>
+            <a:off x="230930" y="376321"/>
+            <a:ext cx="3357563" cy="338554"/>
+          </a:xfrm>
+          <a:prstGeom prst="rect">
+            <a:avLst/>
+          </a:prstGeom>
+          <a:noFill/>
+        </p:spPr>
+        <p:txBody>
+          <a:bodyPr wrap="square" rtlCol="0">
+            <a:spAutoFit/>
+          </a:bodyPr>
+          <a:lstStyle/>
+          <a:p>
+            <a:r>
+              <a:rPr lang="ko-KR" altLang="en-US" sz="1600" b="1" dirty="0"/>
+              <a:t>파일 입출력</a:t>
+            </a:r>
+          </a:p>
+        </p:txBody>
+      </p:sp>
+      <p:sp>
+        <p:nvSpPr>
+          <p:cNvPr id="6" name="TextBox 5">
+            <a:extLst>
+              <a:ext uri="{FF2B5EF4-FFF2-40B4-BE49-F238E27FC236}">
+                <a16:creationId xmlns:a16="http://schemas.microsoft.com/office/drawing/2014/main" xmlns="" id="{F6648F3B-B1C1-42AB-97CD-DC0F245E2350}"/>
+              </a:ext>
+            </a:extLst>
+          </p:cNvPr>
+          <p:cNvSpPr txBox="1"/>
+          <p:nvPr/>
+        </p:nvSpPr>
+        <p:spPr>
+          <a:xfrm>
+            <a:off x="7138735" y="3970202"/>
+            <a:ext cx="4993105" cy="1754326"/>
+          </a:xfrm>
+          <a:prstGeom prst="rect">
+            <a:avLst/>
+          </a:prstGeom>
+          <a:noFill/>
+        </p:spPr>
+        <p:txBody>
+          <a:bodyPr wrap="square" rtlCol="0">
+            <a:spAutoFit/>
+          </a:bodyPr>
+          <a:lstStyle/>
+          <a:p>
+            <a:pPr marL="171450" indent="-171450">
+              <a:buFont typeface="Wingdings" panose="05000000000000000000" pitchFamily="2" charset="2"/>
+              <a:buChar char="§"/>
+            </a:pPr>
+            <a:r>
+              <a:rPr lang="en-US" altLang="ko-KR" sz="1200" dirty="0" err="1"/>
+              <a:t>OutputClass</a:t>
+            </a:r>
+            <a:r>
+              <a:rPr lang="ko-KR" altLang="en-US" sz="1200" dirty="0"/>
+              <a:t>에 출력되는 변수들이 지정되어 있어서 해당 </a:t>
+            </a:r>
+            <a:r>
+              <a:rPr lang="en-US" altLang="ko-KR" sz="1200" dirty="0"/>
+              <a:t>Class</a:t>
+            </a:r>
+            <a:r>
+              <a:rPr lang="ko-KR" altLang="en-US" sz="1200" dirty="0"/>
+              <a:t> 활용</a:t>
+            </a:r>
+            <a:endParaRPr lang="en-US" altLang="ko-KR" sz="1200" dirty="0"/>
+          </a:p>
+          <a:p>
+            <a:pPr marL="171450" indent="-171450">
+              <a:buFont typeface="Wingdings" panose="05000000000000000000" pitchFamily="2" charset="2"/>
+              <a:buChar char="§"/>
+            </a:pPr>
+            <a:endParaRPr lang="en-US" altLang="ko-KR" sz="1200" dirty="0"/>
+          </a:p>
+          <a:p>
+            <a:pPr marL="171450" indent="-171450">
+              <a:buFont typeface="Wingdings" panose="05000000000000000000" pitchFamily="2" charset="2"/>
+              <a:buChar char="§"/>
+            </a:pPr>
+            <a:r>
+              <a:rPr lang="en-US" altLang="ko-KR" sz="1200" dirty="0"/>
+              <a:t>String </a:t>
+            </a:r>
+            <a:r>
+              <a:rPr lang="ko-KR" altLang="en-US" sz="1200" dirty="0"/>
+              <a:t>타입의 </a:t>
+            </a:r>
+            <a:r>
+              <a:rPr lang="en-US" altLang="ko-KR" sz="1200" dirty="0" err="1"/>
+              <a:t>saveText</a:t>
+            </a:r>
+            <a:r>
+              <a:rPr lang="en-US" altLang="ko-KR" sz="1200" dirty="0"/>
+              <a:t> </a:t>
+            </a:r>
+            <a:r>
+              <a:rPr lang="ko-KR" altLang="en-US" sz="1200" dirty="0"/>
+              <a:t>변수 선언</a:t>
+            </a:r>
+            <a:endParaRPr lang="en-US" altLang="ko-KR" sz="1200" dirty="0"/>
+          </a:p>
+          <a:p>
+            <a:r>
+              <a:rPr lang="en-US" altLang="ko-KR" sz="1200" dirty="0"/>
+              <a:t>   =&gt; </a:t>
+            </a:r>
+            <a:r>
+              <a:rPr lang="ko-KR" altLang="en-US" sz="1200" dirty="0"/>
+              <a:t>해당 변수에 출력 되는 변수들 모두 추가</a:t>
+            </a:r>
+            <a:endParaRPr lang="en-US" altLang="ko-KR" sz="1200" dirty="0"/>
+          </a:p>
+          <a:p>
+            <a:endParaRPr lang="en-US" altLang="ko-KR" sz="1200" dirty="0"/>
+          </a:p>
+          <a:p>
+            <a:pPr marL="171450" indent="-171450">
+              <a:buFont typeface="Wingdings" panose="05000000000000000000" pitchFamily="2" charset="2"/>
+              <a:buChar char="§"/>
+            </a:pPr>
+            <a:r>
+              <a:rPr lang="en-US" altLang="ko-KR" sz="1200" dirty="0" err="1"/>
+              <a:t>saveText</a:t>
+            </a:r>
+            <a:r>
+              <a:rPr lang="ko-KR" altLang="en-US" sz="1200" dirty="0"/>
+              <a:t>를 </a:t>
+            </a:r>
+            <a:r>
+              <a:rPr lang="en-US" altLang="ko-KR" sz="1200" dirty="0" err="1"/>
+              <a:t>FileStringGetter</a:t>
+            </a:r>
+            <a:r>
+              <a:rPr lang="en-US" altLang="ko-KR" sz="1200" dirty="0"/>
+              <a:t> Class</a:t>
+            </a:r>
+            <a:r>
+              <a:rPr lang="ko-KR" altLang="en-US" sz="1200" dirty="0"/>
+              <a:t> 호출하여 출력할 값으로 설정</a:t>
+            </a:r>
+            <a:endParaRPr lang="en-US" altLang="ko-KR" sz="1200" dirty="0"/>
+          </a:p>
+          <a:p>
+            <a:pPr marL="171450" indent="-171450">
+              <a:buFont typeface="Wingdings" panose="05000000000000000000" pitchFamily="2" charset="2"/>
+              <a:buChar char="§"/>
+            </a:pPr>
+            <a:endParaRPr lang="en-US" altLang="ko-KR" sz="1200" dirty="0"/>
+          </a:p>
+          <a:p>
+            <a:pPr marL="171450" indent="-171450">
+              <a:buFont typeface="Wingdings" panose="05000000000000000000" pitchFamily="2" charset="2"/>
+              <a:buChar char="§"/>
+            </a:pPr>
+            <a:r>
+              <a:rPr lang="en-US" altLang="ko-KR" sz="1200" dirty="0" err="1"/>
+              <a:t>outputResultUSD</a:t>
+            </a:r>
+            <a:r>
+              <a:rPr lang="en-US" altLang="ko-KR" sz="1200" dirty="0"/>
+              <a:t>, </a:t>
+            </a:r>
+            <a:r>
+              <a:rPr lang="en-US" altLang="ko-KR" sz="1200" dirty="0" err="1"/>
+              <a:t>outputResultEUR</a:t>
+            </a:r>
+            <a:r>
+              <a:rPr lang="en-US" altLang="ko-KR" sz="1200" dirty="0"/>
+              <a:t>, </a:t>
+            </a:r>
+            <a:r>
+              <a:rPr lang="en-US" altLang="ko-KR" sz="1200" dirty="0" err="1"/>
+              <a:t>outputResultJPY</a:t>
+            </a:r>
+            <a:r>
+              <a:rPr lang="en-US" altLang="ko-KR" sz="1200" dirty="0"/>
+              <a:t>, </a:t>
+            </a:r>
+          </a:p>
+          <a:p>
+            <a:r>
+              <a:rPr lang="en-US" altLang="ko-KR" sz="1200" dirty="0"/>
+              <a:t>   </a:t>
+            </a:r>
+            <a:r>
+              <a:rPr lang="en-US" altLang="ko-KR" sz="1200" dirty="0" err="1"/>
+              <a:t>printErrorMessage</a:t>
+            </a:r>
+            <a:r>
+              <a:rPr lang="en-US" altLang="ko-KR" sz="1200" dirty="0"/>
+              <a:t> </a:t>
+            </a:r>
+            <a:r>
+              <a:rPr lang="ko-KR" altLang="en-US" sz="1200" dirty="0" err="1"/>
+              <a:t>매서드에</a:t>
+            </a:r>
+            <a:r>
+              <a:rPr lang="ko-KR" altLang="en-US" sz="1200" dirty="0"/>
+              <a:t> 해당 </a:t>
+            </a:r>
+            <a:r>
+              <a:rPr lang="ko-KR" altLang="en-US" sz="1200" dirty="0" err="1"/>
+              <a:t>변수값</a:t>
+            </a:r>
+            <a:r>
+              <a:rPr lang="ko-KR" altLang="en-US" sz="1200" dirty="0"/>
+              <a:t> 모두 추가</a:t>
+            </a:r>
+            <a:endParaRPr lang="en-US" altLang="ko-KR" sz="1200" dirty="0"/>
+          </a:p>
+        </p:txBody>
+      </p:sp>
+      <p:pic>
+        <p:nvPicPr>
+          <p:cNvPr id="2" name="그림 1"/>
           <p:cNvPicPr>
             <a:picLocks noChangeAspect="1"/>
           </p:cNvPicPr>
@@ -6096,13 +6477,13 @@
         </p:nvPicPr>
         <p:blipFill rotWithShape="1">
           <a:blip r:embed="rId2"/>
-          <a:srcRect r="2719"/>
+          <a:srcRect l="24262" t="6070" r="8477" b="18157"/>
           <a:stretch/>
         </p:blipFill>
         <p:spPr>
           <a:xfrm>
-            <a:off x="340979" y="1166479"/>
-            <a:ext cx="6727574" cy="5152516"/>
+            <a:off x="342398" y="1167897"/>
+            <a:ext cx="6796338" cy="4625744"/>
           </a:xfrm>
           <a:prstGeom prst="rect">
             <a:avLst/>
@@ -6116,236 +6497,6 @@
           </a:ln>
         </p:spPr>
       </p:pic>
-      <p:sp>
-        <p:nvSpPr>
-          <p:cNvPr id="4" name="TextBox 3">
-            <a:extLst>
-              <a:ext uri="{FF2B5EF4-FFF2-40B4-BE49-F238E27FC236}">
-                <a16:creationId xmlns="" xmlns:a16="http://schemas.microsoft.com/office/drawing/2014/main" id="{455436F5-1453-4A4A-A5FF-A9E6F35541B0}"/>
-              </a:ext>
-            </a:extLst>
-          </p:cNvPr>
-          <p:cNvSpPr txBox="1"/>
-          <p:nvPr/>
-        </p:nvSpPr>
-        <p:spPr>
-          <a:xfrm>
-            <a:off x="230930" y="376321"/>
-            <a:ext cx="3357563" cy="338554"/>
-          </a:xfrm>
-          <a:prstGeom prst="rect">
-            <a:avLst/>
-          </a:prstGeom>
-          <a:noFill/>
-        </p:spPr>
-        <p:txBody>
-          <a:bodyPr wrap="square" rtlCol="0">
-            <a:spAutoFit/>
-          </a:bodyPr>
-          <a:lstStyle/>
-          <a:p>
-            <a:r>
-              <a:rPr lang="ko-KR" altLang="en-US" sz="1600" b="1" dirty="0"/>
-              <a:t>파일 입출력</a:t>
-            </a:r>
-          </a:p>
-        </p:txBody>
-      </p:sp>
-      <p:sp>
-        <p:nvSpPr>
-          <p:cNvPr id="6" name="TextBox 5">
-            <a:extLst>
-              <a:ext uri="{FF2B5EF4-FFF2-40B4-BE49-F238E27FC236}">
-                <a16:creationId xmlns="" xmlns:a16="http://schemas.microsoft.com/office/drawing/2014/main" id="{F6648F3B-B1C1-42AB-97CD-DC0F245E2350}"/>
-              </a:ext>
-            </a:extLst>
-          </p:cNvPr>
-          <p:cNvSpPr txBox="1"/>
-          <p:nvPr/>
-        </p:nvSpPr>
-        <p:spPr>
-          <a:xfrm>
-            <a:off x="7138735" y="4512893"/>
-            <a:ext cx="4993105" cy="1754326"/>
-          </a:xfrm>
-          <a:prstGeom prst="rect">
-            <a:avLst/>
-          </a:prstGeom>
-          <a:noFill/>
-        </p:spPr>
-        <p:txBody>
-          <a:bodyPr wrap="square" rtlCol="0">
-            <a:spAutoFit/>
-          </a:bodyPr>
-          <a:lstStyle/>
-          <a:p>
-            <a:pPr marL="171450" indent="-171450">
-              <a:buFont typeface="Wingdings" panose="05000000000000000000" pitchFamily="2" charset="2"/>
-              <a:buChar char="§"/>
-            </a:pPr>
-            <a:r>
-              <a:rPr lang="en-US" altLang="ko-KR" sz="1200" dirty="0" err="1"/>
-              <a:t>OutputClass</a:t>
-            </a:r>
-            <a:r>
-              <a:rPr lang="ko-KR" altLang="en-US" sz="1200" dirty="0"/>
-              <a:t>에 출력되는 변수들이 지정되어 있어서 해당 </a:t>
-            </a:r>
-            <a:r>
-              <a:rPr lang="en-US" altLang="ko-KR" sz="1200" dirty="0"/>
-              <a:t>Class</a:t>
-            </a:r>
-            <a:r>
-              <a:rPr lang="ko-KR" altLang="en-US" sz="1200" dirty="0"/>
-              <a:t> 활용</a:t>
-            </a:r>
-            <a:endParaRPr lang="en-US" altLang="ko-KR" sz="1200" dirty="0"/>
-          </a:p>
-          <a:p>
-            <a:pPr marL="171450" indent="-171450">
-              <a:buFont typeface="Wingdings" panose="05000000000000000000" pitchFamily="2" charset="2"/>
-              <a:buChar char="§"/>
-            </a:pPr>
-            <a:endParaRPr lang="en-US" altLang="ko-KR" sz="1200" dirty="0"/>
-          </a:p>
-          <a:p>
-            <a:pPr marL="171450" indent="-171450">
-              <a:buFont typeface="Wingdings" panose="05000000000000000000" pitchFamily="2" charset="2"/>
-              <a:buChar char="§"/>
-            </a:pPr>
-            <a:r>
-              <a:rPr lang="en-US" altLang="ko-KR" sz="1200" dirty="0"/>
-              <a:t>String </a:t>
-            </a:r>
-            <a:r>
-              <a:rPr lang="ko-KR" altLang="en-US" sz="1200" dirty="0"/>
-              <a:t>타입의 </a:t>
-            </a:r>
-            <a:r>
-              <a:rPr lang="en-US" altLang="ko-KR" sz="1200" dirty="0" err="1"/>
-              <a:t>saveText</a:t>
-            </a:r>
-            <a:r>
-              <a:rPr lang="en-US" altLang="ko-KR" sz="1200" dirty="0"/>
-              <a:t> </a:t>
-            </a:r>
-            <a:r>
-              <a:rPr lang="ko-KR" altLang="en-US" sz="1200" dirty="0"/>
-              <a:t>변수 선언</a:t>
-            </a:r>
-            <a:endParaRPr lang="en-US" altLang="ko-KR" sz="1200" dirty="0"/>
-          </a:p>
-          <a:p>
-            <a:r>
-              <a:rPr lang="en-US" altLang="ko-KR" sz="1200" dirty="0"/>
-              <a:t>   =&gt; </a:t>
-            </a:r>
-            <a:r>
-              <a:rPr lang="ko-KR" altLang="en-US" sz="1200" dirty="0"/>
-              <a:t>해당 변수에 출력 되는 변수들 모두 추가</a:t>
-            </a:r>
-            <a:endParaRPr lang="en-US" altLang="ko-KR" sz="1200" dirty="0"/>
-          </a:p>
-          <a:p>
-            <a:endParaRPr lang="en-US" altLang="ko-KR" sz="1200" dirty="0"/>
-          </a:p>
-          <a:p>
-            <a:pPr marL="171450" indent="-171450">
-              <a:buFont typeface="Wingdings" panose="05000000000000000000" pitchFamily="2" charset="2"/>
-              <a:buChar char="§"/>
-            </a:pPr>
-            <a:r>
-              <a:rPr lang="en-US" altLang="ko-KR" sz="1200" dirty="0" err="1"/>
-              <a:t>saveText</a:t>
-            </a:r>
-            <a:r>
-              <a:rPr lang="ko-KR" altLang="en-US" sz="1200" dirty="0"/>
-              <a:t>를 </a:t>
-            </a:r>
-            <a:r>
-              <a:rPr lang="en-US" altLang="ko-KR" sz="1200" dirty="0" err="1"/>
-              <a:t>FileStringGetter</a:t>
-            </a:r>
-            <a:r>
-              <a:rPr lang="en-US" altLang="ko-KR" sz="1200" dirty="0"/>
-              <a:t> Class</a:t>
-            </a:r>
-            <a:r>
-              <a:rPr lang="ko-KR" altLang="en-US" sz="1200" dirty="0"/>
-              <a:t> 호출하여 출력할 값으로 설정</a:t>
-            </a:r>
-            <a:endParaRPr lang="en-US" altLang="ko-KR" sz="1200" dirty="0"/>
-          </a:p>
-          <a:p>
-            <a:pPr marL="171450" indent="-171450">
-              <a:buFont typeface="Wingdings" panose="05000000000000000000" pitchFamily="2" charset="2"/>
-              <a:buChar char="§"/>
-            </a:pPr>
-            <a:endParaRPr lang="en-US" altLang="ko-KR" sz="1200" dirty="0"/>
-          </a:p>
-          <a:p>
-            <a:pPr marL="171450" indent="-171450">
-              <a:buFont typeface="Wingdings" panose="05000000000000000000" pitchFamily="2" charset="2"/>
-              <a:buChar char="§"/>
-            </a:pPr>
-            <a:r>
-              <a:rPr lang="en-US" altLang="ko-KR" sz="1200" dirty="0" err="1"/>
-              <a:t>outputResultUSD</a:t>
-            </a:r>
-            <a:r>
-              <a:rPr lang="en-US" altLang="ko-KR" sz="1200" dirty="0"/>
-              <a:t>, </a:t>
-            </a:r>
-            <a:r>
-              <a:rPr lang="en-US" altLang="ko-KR" sz="1200" dirty="0" err="1"/>
-              <a:t>outputResultEUR</a:t>
-            </a:r>
-            <a:r>
-              <a:rPr lang="en-US" altLang="ko-KR" sz="1200" dirty="0"/>
-              <a:t>, </a:t>
-            </a:r>
-            <a:r>
-              <a:rPr lang="en-US" altLang="ko-KR" sz="1200" dirty="0" err="1"/>
-              <a:t>outputResultJPY</a:t>
-            </a:r>
-            <a:r>
-              <a:rPr lang="en-US" altLang="ko-KR" sz="1200" dirty="0"/>
-              <a:t>, </a:t>
-            </a:r>
-          </a:p>
-          <a:p>
-            <a:r>
-              <a:rPr lang="en-US" altLang="ko-KR" sz="1200" dirty="0"/>
-              <a:t>   </a:t>
-            </a:r>
-            <a:r>
-              <a:rPr lang="en-US" altLang="ko-KR" sz="1200" dirty="0" err="1"/>
-              <a:t>printErrorMessage</a:t>
-            </a:r>
-            <a:r>
-              <a:rPr lang="en-US" altLang="ko-KR" sz="1200" dirty="0"/>
-              <a:t> </a:t>
-            </a:r>
-            <a:r>
-              <a:rPr lang="ko-KR" altLang="en-US" sz="1200" dirty="0" err="1"/>
-              <a:t>매서드에</a:t>
-            </a:r>
-            <a:r>
-              <a:rPr lang="ko-KR" altLang="en-US" sz="1200" dirty="0"/>
-              <a:t> 해당 </a:t>
-            </a:r>
-            <a:r>
-              <a:rPr lang="ko-KR" altLang="en-US" sz="1200" dirty="0" err="1"/>
-              <a:t>변수값</a:t>
-            </a:r>
-            <a:r>
-              <a:rPr lang="ko-KR" altLang="en-US" sz="1200" dirty="0"/>
-              <a:t> 모두 추가</a:t>
-            </a:r>
-            <a:endParaRPr lang="en-US" altLang="ko-KR" sz="1200" dirty="0"/>
-          </a:p>
-        </p:txBody>
-      </p:sp>
     </p:spTree>
     <p:extLst>
       <p:ext uri="{BB962C8B-B14F-4D97-AF65-F5344CB8AC3E}">
